--- a/slides/12-多线程程序设计.pptx
+++ b/slides/12-多线程程序设计.pptx
@@ -211,14 +211,6 @@
 </p:presentation>
 </file>
 
-<file path=ppt/revisionInfo.xml><?xml version="1.0" encoding="utf-8"?>
-<p1510:revInfo xmlns:a="http://schemas.openxmlformats.org/drawingml/2006/main" xmlns:r="http://schemas.openxmlformats.org/officeDocument/2006/relationships" xmlns:p1510="http://schemas.microsoft.com/office/powerpoint/2015/10/main">
-  <p1510:revLst>
-    <p1510:client id="{84D49705-5C2A-43A7-A0AA-3B7ABA9AF96A}" v="4" dt="2024-04-15T14:36:03.584"/>
-  </p1510:revLst>
-</p1510:revInfo>
-</file>
-
 <file path=ppt/changesInfos/changesInfo1.xml><?xml version="1.0" encoding="utf-8"?>
 <pc:chgInfo xmlns:a="http://schemas.openxmlformats.org/drawingml/2006/main" xmlns:r="http://schemas.openxmlformats.org/officeDocument/2006/relationships" xmlns:ac="http://schemas.microsoft.com/office/drawing/2013/main/command" xmlns:pc="http://schemas.microsoft.com/office/powerpoint/2013/main/command">
   <pc:docChgLst>
@@ -234,14 +226,6 @@
           <pc:docMk/>
           <pc:sldMk cId="1120522572" sldId="314"/>
         </pc:sldMkLst>
-        <pc:spChg chg="del mod">
-          <ac:chgData name="pdcxs" userId="f53f700a-6709-4045-8975-3edaa594be1c" providerId="ADAL" clId="{84D49705-5C2A-43A7-A0AA-3B7ABA9AF96A}" dt="2024-04-15T13:04:17.656" v="2" actId="478"/>
-          <ac:spMkLst>
-            <pc:docMk/>
-            <pc:sldMk cId="1120522572" sldId="314"/>
-            <ac:spMk id="15" creationId="{74A668E9-FA9B-46C7-BE8B-EFDCCBCCB079}"/>
-          </ac:spMkLst>
-        </pc:spChg>
       </pc:sldChg>
       <pc:sldChg chg="modSp mod">
         <pc:chgData name="pdcxs" userId="f53f700a-6709-4045-8975-3edaa594be1c" providerId="ADAL" clId="{84D49705-5C2A-43A7-A0AA-3B7ABA9AF96A}" dt="2024-04-15T13:23:49.644" v="103" actId="20577"/>
@@ -249,14 +233,6 @@
           <pc:docMk/>
           <pc:sldMk cId="3143972049" sldId="315"/>
         </pc:sldMkLst>
-        <pc:spChg chg="mod">
-          <ac:chgData name="pdcxs" userId="f53f700a-6709-4045-8975-3edaa594be1c" providerId="ADAL" clId="{84D49705-5C2A-43A7-A0AA-3B7ABA9AF96A}" dt="2024-04-15T13:23:49.644" v="103" actId="20577"/>
-          <ac:spMkLst>
-            <pc:docMk/>
-            <pc:sldMk cId="3143972049" sldId="315"/>
-            <ac:spMk id="13" creationId="{BDD2B4E3-1748-41AD-BDED-DAF703365FA6}"/>
-          </ac:spMkLst>
-        </pc:spChg>
       </pc:sldChg>
       <pc:sldChg chg="modSp mod">
         <pc:chgData name="pdcxs" userId="f53f700a-6709-4045-8975-3edaa594be1c" providerId="ADAL" clId="{84D49705-5C2A-43A7-A0AA-3B7ABA9AF96A}" dt="2024-04-15T14:11:28.688" v="328" actId="20577"/>
@@ -264,30 +240,6 @@
           <pc:docMk/>
           <pc:sldMk cId="3603955186" sldId="331"/>
         </pc:sldMkLst>
-        <pc:spChg chg="mod">
-          <ac:chgData name="pdcxs" userId="f53f700a-6709-4045-8975-3edaa594be1c" providerId="ADAL" clId="{84D49705-5C2A-43A7-A0AA-3B7ABA9AF96A}" dt="2024-04-15T13:58:11.446" v="261" actId="20577"/>
-          <ac:spMkLst>
-            <pc:docMk/>
-            <pc:sldMk cId="3603955186" sldId="331"/>
-            <ac:spMk id="13" creationId="{D6505F7D-7F07-4AD3-9AE2-7E07BB32EAA2}"/>
-          </ac:spMkLst>
-        </pc:spChg>
-        <pc:spChg chg="mod">
-          <ac:chgData name="pdcxs" userId="f53f700a-6709-4045-8975-3edaa594be1c" providerId="ADAL" clId="{84D49705-5C2A-43A7-A0AA-3B7ABA9AF96A}" dt="2024-04-15T14:04:59.491" v="292" actId="20577"/>
-          <ac:spMkLst>
-            <pc:docMk/>
-            <pc:sldMk cId="3603955186" sldId="331"/>
-            <ac:spMk id="15" creationId="{F326E947-3A4F-4F4B-B011-AA37646A6C3B}"/>
-          </ac:spMkLst>
-        </pc:spChg>
-        <pc:spChg chg="mod">
-          <ac:chgData name="pdcxs" userId="f53f700a-6709-4045-8975-3edaa594be1c" providerId="ADAL" clId="{84D49705-5C2A-43A7-A0AA-3B7ABA9AF96A}" dt="2024-04-15T14:11:28.688" v="328" actId="20577"/>
-          <ac:spMkLst>
-            <pc:docMk/>
-            <pc:sldMk cId="3603955186" sldId="331"/>
-            <ac:spMk id="16" creationId="{B992DB1B-C9FC-4E54-87B6-8F1437E497C0}"/>
-          </ac:spMkLst>
-        </pc:spChg>
       </pc:sldChg>
       <pc:sldChg chg="modSp mod">
         <pc:chgData name="pdcxs" userId="f53f700a-6709-4045-8975-3edaa594be1c" providerId="ADAL" clId="{84D49705-5C2A-43A7-A0AA-3B7ABA9AF96A}" dt="2024-04-15T14:19:38.491" v="399" actId="14100"/>
@@ -295,14 +247,6 @@
           <pc:docMk/>
           <pc:sldMk cId="3439348422" sldId="338"/>
         </pc:sldMkLst>
-        <pc:spChg chg="mod">
-          <ac:chgData name="pdcxs" userId="f53f700a-6709-4045-8975-3edaa594be1c" providerId="ADAL" clId="{84D49705-5C2A-43A7-A0AA-3B7ABA9AF96A}" dt="2024-04-15T14:19:38.491" v="399" actId="14100"/>
-          <ac:spMkLst>
-            <pc:docMk/>
-            <pc:sldMk cId="3439348422" sldId="338"/>
-            <ac:spMk id="13" creationId="{EFDFE382-584F-4078-883F-9F209FBD239C}"/>
-          </ac:spMkLst>
-        </pc:spChg>
       </pc:sldChg>
       <pc:sldChg chg="modSp mod">
         <pc:chgData name="pdcxs" userId="f53f700a-6709-4045-8975-3edaa594be1c" providerId="ADAL" clId="{84D49705-5C2A-43A7-A0AA-3B7ABA9AF96A}" dt="2024-04-15T14:17:56.101" v="367" actId="20577"/>
@@ -310,14 +254,6 @@
           <pc:docMk/>
           <pc:sldMk cId="3852033504" sldId="345"/>
         </pc:sldMkLst>
-        <pc:spChg chg="mod">
-          <ac:chgData name="pdcxs" userId="f53f700a-6709-4045-8975-3edaa594be1c" providerId="ADAL" clId="{84D49705-5C2A-43A7-A0AA-3B7ABA9AF96A}" dt="2024-04-15T14:17:56.101" v="367" actId="20577"/>
-          <ac:spMkLst>
-            <pc:docMk/>
-            <pc:sldMk cId="3852033504" sldId="345"/>
-            <ac:spMk id="13" creationId="{D5EEAED3-A888-4E92-9DC9-ED0B38A8464D}"/>
-          </ac:spMkLst>
-        </pc:spChg>
       </pc:sldChg>
       <pc:sldChg chg="modSp mod">
         <pc:chgData name="pdcxs" userId="f53f700a-6709-4045-8975-3edaa594be1c" providerId="ADAL" clId="{84D49705-5C2A-43A7-A0AA-3B7ABA9AF96A}" dt="2024-04-15T14:34:37.071" v="446" actId="14100"/>
@@ -325,14 +261,6 @@
           <pc:docMk/>
           <pc:sldMk cId="3778151202" sldId="347"/>
         </pc:sldMkLst>
-        <pc:spChg chg="mod">
-          <ac:chgData name="pdcxs" userId="f53f700a-6709-4045-8975-3edaa594be1c" providerId="ADAL" clId="{84D49705-5C2A-43A7-A0AA-3B7ABA9AF96A}" dt="2024-04-15T14:34:37.071" v="446" actId="14100"/>
-          <ac:spMkLst>
-            <pc:docMk/>
-            <pc:sldMk cId="3778151202" sldId="347"/>
-            <ac:spMk id="13" creationId="{492D23ED-7A44-4750-94EC-98282EC392B9}"/>
-          </ac:spMkLst>
-        </pc:spChg>
       </pc:sldChg>
       <pc:sldChg chg="modSp mod">
         <pc:chgData name="pdcxs" userId="f53f700a-6709-4045-8975-3edaa594be1c" providerId="ADAL" clId="{84D49705-5C2A-43A7-A0AA-3B7ABA9AF96A}" dt="2024-04-15T14:34:54.952" v="449" actId="14100"/>
@@ -340,14 +268,6 @@
           <pc:docMk/>
           <pc:sldMk cId="3234715365" sldId="348"/>
         </pc:sldMkLst>
-        <pc:spChg chg="mod">
-          <ac:chgData name="pdcxs" userId="f53f700a-6709-4045-8975-3edaa594be1c" providerId="ADAL" clId="{84D49705-5C2A-43A7-A0AA-3B7ABA9AF96A}" dt="2024-04-15T14:34:54.952" v="449" actId="14100"/>
-          <ac:spMkLst>
-            <pc:docMk/>
-            <pc:sldMk cId="3234715365" sldId="348"/>
-            <ac:spMk id="15" creationId="{95832C16-80BC-4E63-A48A-54215BB04C3B}"/>
-          </ac:spMkLst>
-        </pc:spChg>
       </pc:sldChg>
       <pc:sldChg chg="addSp modSp mod">
         <pc:chgData name="pdcxs" userId="f53f700a-6709-4045-8975-3edaa594be1c" providerId="ADAL" clId="{84D49705-5C2A-43A7-A0AA-3B7ABA9AF96A}" dt="2024-04-15T14:36:21.239" v="465" actId="20577"/>
@@ -355,30 +275,6 @@
           <pc:docMk/>
           <pc:sldMk cId="2492143466" sldId="362"/>
         </pc:sldMkLst>
-        <pc:spChg chg="mod">
-          <ac:chgData name="pdcxs" userId="f53f700a-6709-4045-8975-3edaa594be1c" providerId="ADAL" clId="{84D49705-5C2A-43A7-A0AA-3B7ABA9AF96A}" dt="2024-04-15T14:35:08.799" v="451" actId="1076"/>
-          <ac:spMkLst>
-            <pc:docMk/>
-            <pc:sldMk cId="2492143466" sldId="362"/>
-            <ac:spMk id="3" creationId="{CAA793BC-7830-4AE2-863E-360433D8152D}"/>
-          </ac:spMkLst>
-        </pc:spChg>
-        <pc:spChg chg="add mod">
-          <ac:chgData name="pdcxs" userId="f53f700a-6709-4045-8975-3edaa594be1c" providerId="ADAL" clId="{84D49705-5C2A-43A7-A0AA-3B7ABA9AF96A}" dt="2024-04-15T14:36:21.239" v="465" actId="20577"/>
-          <ac:spMkLst>
-            <pc:docMk/>
-            <pc:sldMk cId="2492143466" sldId="362"/>
-            <ac:spMk id="4" creationId="{0AAB14AC-BE30-2EA1-7DEA-B0AC35DAC8AE}"/>
-          </ac:spMkLst>
-        </pc:spChg>
-        <pc:spChg chg="mod">
-          <ac:chgData name="pdcxs" userId="f53f700a-6709-4045-8975-3edaa594be1c" providerId="ADAL" clId="{84D49705-5C2A-43A7-A0AA-3B7ABA9AF96A}" dt="2024-04-15T14:35:25.864" v="454" actId="14100"/>
-          <ac:spMkLst>
-            <pc:docMk/>
-            <pc:sldMk cId="2492143466" sldId="362"/>
-            <ac:spMk id="13" creationId="{3AC7648D-8984-4775-A0F3-3CB42AE35F3D}"/>
-          </ac:spMkLst>
-        </pc:spChg>
       </pc:sldChg>
       <pc:sldChg chg="modSp mod">
         <pc:chgData name="pdcxs" userId="f53f700a-6709-4045-8975-3edaa594be1c" providerId="ADAL" clId="{84D49705-5C2A-43A7-A0AA-3B7ABA9AF96A}" dt="2024-04-15T13:49:32.055" v="219" actId="20577"/>
@@ -386,30 +282,6 @@
           <pc:docMk/>
           <pc:sldMk cId="3295880085" sldId="368"/>
         </pc:sldMkLst>
-        <pc:spChg chg="mod">
-          <ac:chgData name="pdcxs" userId="f53f700a-6709-4045-8975-3edaa594be1c" providerId="ADAL" clId="{84D49705-5C2A-43A7-A0AA-3B7ABA9AF96A}" dt="2024-04-15T13:28:22.093" v="145" actId="20577"/>
-          <ac:spMkLst>
-            <pc:docMk/>
-            <pc:sldMk cId="3295880085" sldId="368"/>
-            <ac:spMk id="15" creationId="{F1455C0D-2641-49FD-98DA-E9C7B6F6C600}"/>
-          </ac:spMkLst>
-        </pc:spChg>
-        <pc:spChg chg="mod">
-          <ac:chgData name="pdcxs" userId="f53f700a-6709-4045-8975-3edaa594be1c" providerId="ADAL" clId="{84D49705-5C2A-43A7-A0AA-3B7ABA9AF96A}" dt="2024-04-15T13:34:23.230" v="184" actId="20577"/>
-          <ac:spMkLst>
-            <pc:docMk/>
-            <pc:sldMk cId="3295880085" sldId="368"/>
-            <ac:spMk id="18" creationId="{A8405815-018B-4C7C-B4FD-A2A11D476881}"/>
-          </ac:spMkLst>
-        </pc:spChg>
-        <pc:spChg chg="mod">
-          <ac:chgData name="pdcxs" userId="f53f700a-6709-4045-8975-3edaa594be1c" providerId="ADAL" clId="{84D49705-5C2A-43A7-A0AA-3B7ABA9AF96A}" dt="2024-04-15T13:49:32.055" v="219" actId="20577"/>
-          <ac:spMkLst>
-            <pc:docMk/>
-            <pc:sldMk cId="3295880085" sldId="368"/>
-            <ac:spMk id="19" creationId="{14C6B301-093E-4115-98A8-88D763CFAFB6}"/>
-          </ac:spMkLst>
-        </pc:spChg>
       </pc:sldChg>
       <pc:sldChg chg="addSp delSp modSp add mod">
         <pc:chgData name="pdcxs" userId="f53f700a-6709-4045-8975-3edaa594be1c" providerId="ADAL" clId="{84D49705-5C2A-43A7-A0AA-3B7ABA9AF96A}" dt="2024-04-15T13:18:59.398" v="55" actId="20577"/>
@@ -417,38 +289,6 @@
           <pc:docMk/>
           <pc:sldMk cId="421423449" sldId="371"/>
         </pc:sldMkLst>
-        <pc:spChg chg="add mod">
-          <ac:chgData name="pdcxs" userId="f53f700a-6709-4045-8975-3edaa594be1c" providerId="ADAL" clId="{84D49705-5C2A-43A7-A0AA-3B7ABA9AF96A}" dt="2024-04-15T13:05:51.449" v="42" actId="20577"/>
-          <ac:spMkLst>
-            <pc:docMk/>
-            <pc:sldMk cId="421423449" sldId="371"/>
-            <ac:spMk id="3" creationId="{7604DF86-EE2A-DBF1-6EA1-AA312FD89D6E}"/>
-          </ac:spMkLst>
-        </pc:spChg>
-        <pc:spChg chg="del">
-          <ac:chgData name="pdcxs" userId="f53f700a-6709-4045-8975-3edaa594be1c" providerId="ADAL" clId="{84D49705-5C2A-43A7-A0AA-3B7ABA9AF96A}" dt="2024-04-15T13:04:37.555" v="6" actId="478"/>
-          <ac:spMkLst>
-            <pc:docMk/>
-            <pc:sldMk cId="421423449" sldId="371"/>
-            <ac:spMk id="4" creationId="{54E422FD-A0CA-49FD-A37A-6A7A4861F68C}"/>
-          </ac:spMkLst>
-        </pc:spChg>
-        <pc:spChg chg="add mod">
-          <ac:chgData name="pdcxs" userId="f53f700a-6709-4045-8975-3edaa594be1c" providerId="ADAL" clId="{84D49705-5C2A-43A7-A0AA-3B7ABA9AF96A}" dt="2024-04-15T13:18:59.398" v="55" actId="20577"/>
-          <ac:spMkLst>
-            <pc:docMk/>
-            <pc:sldMk cId="421423449" sldId="371"/>
-            <ac:spMk id="5" creationId="{E6F2F08F-C0EE-3779-79AE-ABC5DE7EBA58}"/>
-          </ac:spMkLst>
-        </pc:spChg>
-        <pc:spChg chg="del">
-          <ac:chgData name="pdcxs" userId="f53f700a-6709-4045-8975-3edaa594be1c" providerId="ADAL" clId="{84D49705-5C2A-43A7-A0AA-3B7ABA9AF96A}" dt="2024-04-15T13:04:35.005" v="5" actId="478"/>
-          <ac:spMkLst>
-            <pc:docMk/>
-            <pc:sldMk cId="421423449" sldId="371"/>
-            <ac:spMk id="13" creationId="{345FE1FD-C4C5-4826-A73D-C012971E0F91}"/>
-          </ac:spMkLst>
-        </pc:spChg>
       </pc:sldChg>
     </pc:docChg>
   </pc:docChgLst>
@@ -465,14 +305,6 @@
           <pc:docMk/>
           <pc:sldMk cId="753176371" sldId="306"/>
         </pc:sldMkLst>
-        <pc:spChg chg="mod">
-          <ac:chgData name="pdcxs" userId="f53f700a-6709-4045-8975-3edaa594be1c" providerId="ADAL" clId="{F4F657B9-EB35-48D0-A0FF-469624D557DA}" dt="2023-03-09T01:57:21.620" v="8" actId="20577"/>
-          <ac:spMkLst>
-            <pc:docMk/>
-            <pc:sldMk cId="753176371" sldId="306"/>
-            <ac:spMk id="19" creationId="{00000000-0000-0000-0000-000000000000}"/>
-          </ac:spMkLst>
-        </pc:spChg>
       </pc:sldChg>
     </pc:docChg>
   </pc:docChgLst>
@@ -496,6 +328,30 @@
           <pc:docMk/>
           <pc:sldMk cId="261049126" sldId="370"/>
         </pc:sldMkLst>
+      </pc:sldChg>
+    </pc:docChg>
+  </pc:docChgLst>
+  <pc:docChgLst>
+    <pc:chgData name="pdcxs" userId="f53f700a-6709-4045-8975-3edaa594be1c" providerId="ADAL" clId="{A8367376-B289-40D6-B7F7-F903DC62ABC0}"/>
+    <pc:docChg chg="modSld">
+      <pc:chgData name="pdcxs" userId="f53f700a-6709-4045-8975-3edaa594be1c" providerId="ADAL" clId="{A8367376-B289-40D6-B7F7-F903DC62ABC0}" dt="2025-04-14T12:14:00.634" v="0"/>
+      <pc:docMkLst>
+        <pc:docMk/>
+      </pc:docMkLst>
+      <pc:sldChg chg="modSp mod">
+        <pc:chgData name="pdcxs" userId="f53f700a-6709-4045-8975-3edaa594be1c" providerId="ADAL" clId="{A8367376-B289-40D6-B7F7-F903DC62ABC0}" dt="2025-04-14T12:14:00.634" v="0"/>
+        <pc:sldMkLst>
+          <pc:docMk/>
+          <pc:sldMk cId="261049126" sldId="370"/>
+        </pc:sldMkLst>
+        <pc:spChg chg="mod">
+          <ac:chgData name="pdcxs" userId="f53f700a-6709-4045-8975-3edaa594be1c" providerId="ADAL" clId="{A8367376-B289-40D6-B7F7-F903DC62ABC0}" dt="2025-04-14T12:14:00.634" v="0"/>
+          <ac:spMkLst>
+            <pc:docMk/>
+            <pc:sldMk cId="261049126" sldId="370"/>
+            <ac:spMk id="21" creationId="{00000000-0000-0000-0000-000000000000}"/>
+          </ac:spMkLst>
+        </pc:spChg>
       </pc:sldChg>
     </pc:docChg>
   </pc:docChgLst>
@@ -3122,7 +2978,7 @@
               <a:pPr>
                 <a:defRPr/>
               </a:pPr>
-              <a:t>2024/4/15</a:t>
+              <a:t>2025/4/14</a:t>
             </a:fld>
             <a:endParaRPr lang="zh-CN" altLang="en-US"/>
           </a:p>
@@ -7986,7 +7842,7 @@
               <a:pPr>
                 <a:defRPr/>
               </a:pPr>
-              <a:t>2024/4/15</a:t>
+              <a:t>2025/4/14</a:t>
             </a:fld>
             <a:endParaRPr lang="zh-CN" altLang="en-US"/>
           </a:p>
@@ -8327,7 +8183,7 @@
               <a:pPr>
                 <a:defRPr/>
               </a:pPr>
-              <a:t>2024/4/15</a:t>
+              <a:t>2025/4/14</a:t>
             </a:fld>
             <a:endParaRPr lang="zh-CN" altLang="en-US"/>
           </a:p>
@@ -8590,7 +8446,7 @@
               <a:pPr>
                 <a:defRPr/>
               </a:pPr>
-              <a:t>2024/4/15</a:t>
+              <a:t>2025/4/14</a:t>
             </a:fld>
             <a:endParaRPr lang="zh-CN" altLang="en-US"/>
           </a:p>
@@ -8853,7 +8709,7 @@
               <a:pPr>
                 <a:defRPr/>
               </a:pPr>
-              <a:t>2024/4/15</a:t>
+              <a:t>2025/4/14</a:t>
             </a:fld>
             <a:endParaRPr lang="zh-CN" altLang="en-US"/>
           </a:p>
@@ -9161,7 +9017,7 @@
           <a:p>
             <a:fld id="{727B9DD9-119C-4B8D-B3AB-3CFC6AE69930}" type="datetimeFigureOut">
               <a:rPr lang="zh-CN" altLang="en-US" smtClean="0"/>
-              <a:t>2024/4/15</a:t>
+              <a:t>2025/4/14</a:t>
             </a:fld>
             <a:endParaRPr lang="zh-CN" altLang="en-US"/>
           </a:p>
@@ -9241,7 +9097,7 @@
         <p:random/>
       </p:transition>
     </mc:Choice>
-    <mc:Fallback xmlns="" xmlns:p15="http://schemas.microsoft.com/office/powerpoint/2012/main">
+    <mc:Fallback xmlns:p15="http://schemas.microsoft.com/office/powerpoint/2012/main" xmlns="">
       <p:transition spd="slow" advClick="0">
         <p:random/>
       </p:transition>
@@ -10523,7 +10379,7 @@
               <a:pPr>
                 <a:defRPr/>
               </a:pPr>
-              <a:t>2024/4/15</a:t>
+              <a:t>2025/4/14</a:t>
             </a:fld>
             <a:endParaRPr lang="zh-CN" altLang="en-US"/>
           </a:p>
@@ -11041,7 +10897,7 @@
               <a:pPr>
                 <a:defRPr/>
               </a:pPr>
-              <a:t>2024/4/15</a:t>
+              <a:t>2025/4/14</a:t>
             </a:fld>
             <a:endParaRPr lang="zh-CN" altLang="en-US"/>
           </a:p>
@@ -11245,7 +11101,7 @@
               <a:pPr>
                 <a:defRPr/>
               </a:pPr>
-              <a:t>2024/4/15</a:t>
+              <a:t>2025/4/14</a:t>
             </a:fld>
             <a:endParaRPr lang="zh-CN" altLang="en-US"/>
           </a:p>
@@ -11419,7 +11275,7 @@
               <a:pPr>
                 <a:defRPr/>
               </a:pPr>
-              <a:t>2024/4/15</a:t>
+              <a:t>2025/4/14</a:t>
             </a:fld>
             <a:endParaRPr lang="zh-CN" altLang="en-US"/>
           </a:p>
@@ -12105,8 +11961,8 @@
         </p:nvSpPr>
         <p:spPr>
           <a:xfrm>
-            <a:off x="4307104" y="3583212"/>
-            <a:ext cx="3793288" cy="288512"/>
+            <a:off x="5312187" y="3583212"/>
+            <a:ext cx="1783122" cy="288512"/>
           </a:xfrm>
           <a:prstGeom prst="rect">
             <a:avLst/>
@@ -12131,7 +11987,7 @@
                 <a:latin typeface="微软雅黑" pitchFamily="34" charset="-122"/>
                 <a:ea typeface="微软雅黑" pitchFamily="34" charset="-122"/>
               </a:rPr>
-              <a:t>学院：计算机科学与技术学院（大数据学院）</a:t>
+              <a:t>学院：人工智能学院</a:t>
             </a:r>
             <a:endParaRPr lang="en-US" altLang="zh-CN" sz="1425" dirty="0">
               <a:solidFill>
@@ -12279,7 +12135,7 @@
         <p:blinds dir="vert"/>
       </p:transition>
     </mc:Choice>
-    <mc:Fallback xmlns="" xmlns:p15="http://schemas.microsoft.com/office/powerpoint/2012/main">
+    <mc:Fallback xmlns:p15="http://schemas.microsoft.com/office/powerpoint/2012/main" xmlns="">
       <p:transition spd="slow" advClick="0">
         <p:blinds dir="vert"/>
       </p:transition>
@@ -12776,7 +12632,7 @@
         <p:blinds dir="vert"/>
       </p:transition>
     </mc:Choice>
-    <mc:Fallback xmlns="" xmlns:p15="http://schemas.microsoft.com/office/powerpoint/2012/main">
+    <mc:Fallback xmlns:p15="http://schemas.microsoft.com/office/powerpoint/2012/main" xmlns="">
       <p:transition spd="slow" advClick="0">
         <p:blinds dir="vert"/>
       </p:transition>
@@ -14812,7 +14668,7 @@
         <p:blinds dir="vert"/>
       </p:transition>
     </mc:Choice>
-    <mc:Fallback xmlns="" xmlns:p15="http://schemas.microsoft.com/office/powerpoint/2012/main">
+    <mc:Fallback xmlns:p15="http://schemas.microsoft.com/office/powerpoint/2012/main" xmlns="">
       <p:transition spd="slow" advClick="0">
         <p:blinds dir="vert"/>
       </p:transition>
@@ -15721,7 +15577,7 @@
         <p:blinds dir="vert"/>
       </p:transition>
     </mc:Choice>
-    <mc:Fallback xmlns="" xmlns:p15="http://schemas.microsoft.com/office/powerpoint/2012/main">
+    <mc:Fallback xmlns:p15="http://schemas.microsoft.com/office/powerpoint/2012/main" xmlns="">
       <p:transition spd="slow" advClick="0">
         <p:blinds dir="vert"/>
       </p:transition>
@@ -16596,7 +16452,7 @@
         <p:blinds dir="vert"/>
       </p:transition>
     </mc:Choice>
-    <mc:Fallback xmlns="" xmlns:p15="http://schemas.microsoft.com/office/powerpoint/2012/main">
+    <mc:Fallback xmlns:p15="http://schemas.microsoft.com/office/powerpoint/2012/main" xmlns="">
       <p:transition spd="slow" advClick="0">
         <p:blinds dir="vert"/>
       </p:transition>
@@ -17477,7 +17333,7 @@
         <p:blinds dir="vert"/>
       </p:transition>
     </mc:Choice>
-    <mc:Fallback xmlns="" xmlns:p15="http://schemas.microsoft.com/office/powerpoint/2012/main">
+    <mc:Fallback xmlns:p15="http://schemas.microsoft.com/office/powerpoint/2012/main" xmlns="">
       <p:transition spd="slow" advClick="0">
         <p:blinds dir="vert"/>
       </p:transition>
@@ -19082,7 +18938,7 @@
         <p:blinds dir="vert"/>
       </p:transition>
     </mc:Choice>
-    <mc:Fallback xmlns="" xmlns:p15="http://schemas.microsoft.com/office/powerpoint/2012/main">
+    <mc:Fallback xmlns:p15="http://schemas.microsoft.com/office/powerpoint/2012/main" xmlns="">
       <p:transition spd="slow" advClick="0">
         <p:blinds dir="vert"/>
       </p:transition>
@@ -23700,7 +23556,7 @@
         <p14:prism/>
       </p:transition>
     </mc:Choice>
-    <mc:Fallback xmlns="" xmlns:p15="http://schemas.microsoft.com/office/powerpoint/2012/main">
+    <mc:Fallback xmlns:p15="http://schemas.microsoft.com/office/powerpoint/2012/main" xmlns="">
       <p:transition spd="slow" advClick="0">
         <p:fade/>
       </p:transition>
@@ -24659,7 +24515,7 @@
         <p:blinds dir="vert"/>
       </p:transition>
     </mc:Choice>
-    <mc:Fallback xmlns="" xmlns:p15="http://schemas.microsoft.com/office/powerpoint/2012/main">
+    <mc:Fallback xmlns:p15="http://schemas.microsoft.com/office/powerpoint/2012/main" xmlns="">
       <p:transition spd="slow" advClick="0">
         <p:blinds dir="vert"/>
       </p:transition>
@@ -25412,7 +25268,7 @@
         <p:blinds dir="vert"/>
       </p:transition>
     </mc:Choice>
-    <mc:Fallback xmlns="" xmlns:p15="http://schemas.microsoft.com/office/powerpoint/2012/main">
+    <mc:Fallback xmlns:p15="http://schemas.microsoft.com/office/powerpoint/2012/main" xmlns="">
       <p:transition spd="slow" advClick="0">
         <p:blinds dir="vert"/>
       </p:transition>
@@ -26225,7 +26081,7 @@
         <p:blinds dir="vert"/>
       </p:transition>
     </mc:Choice>
-    <mc:Fallback xmlns="" xmlns:p15="http://schemas.microsoft.com/office/powerpoint/2012/main">
+    <mc:Fallback xmlns:p15="http://schemas.microsoft.com/office/powerpoint/2012/main" xmlns="">
       <p:transition spd="slow" advClick="0">
         <p:blinds dir="vert"/>
       </p:transition>
@@ -27408,7 +27264,7 @@
         <p:blinds dir="vert"/>
       </p:transition>
     </mc:Choice>
-    <mc:Fallback xmlns="" xmlns:p15="http://schemas.microsoft.com/office/powerpoint/2012/main">
+    <mc:Fallback xmlns:p15="http://schemas.microsoft.com/office/powerpoint/2012/main" xmlns="">
       <p:transition spd="slow" advClick="0">
         <p:blinds dir="vert"/>
       </p:transition>
@@ -28193,7 +28049,7 @@
         <p:blinds dir="vert"/>
       </p:transition>
     </mc:Choice>
-    <mc:Fallback xmlns="" xmlns:p15="http://schemas.microsoft.com/office/powerpoint/2012/main">
+    <mc:Fallback xmlns:p15="http://schemas.microsoft.com/office/powerpoint/2012/main" xmlns="">
       <p:transition spd="slow" advClick="0">
         <p:blinds dir="vert"/>
       </p:transition>
@@ -28839,7 +28695,7 @@
         <p:blinds dir="vert"/>
       </p:transition>
     </mc:Choice>
-    <mc:Fallback xmlns="" xmlns:p15="http://schemas.microsoft.com/office/powerpoint/2012/main">
+    <mc:Fallback xmlns:p15="http://schemas.microsoft.com/office/powerpoint/2012/main" xmlns="">
       <p:transition spd="slow" advClick="0">
         <p:blinds dir="vert"/>
       </p:transition>
@@ -29773,7 +29629,7 @@
         <p:blinds dir="vert"/>
       </p:transition>
     </mc:Choice>
-    <mc:Fallback xmlns="" xmlns:p15="http://schemas.microsoft.com/office/powerpoint/2012/main">
+    <mc:Fallback xmlns:p15="http://schemas.microsoft.com/office/powerpoint/2012/main" xmlns="">
       <p:transition spd="slow" advClick="0">
         <p:blinds dir="vert"/>
       </p:transition>
@@ -30478,7 +30334,7 @@
         <p:blinds dir="vert"/>
       </p:transition>
     </mc:Choice>
-    <mc:Fallback xmlns="" xmlns:p15="http://schemas.microsoft.com/office/powerpoint/2012/main">
+    <mc:Fallback xmlns:p15="http://schemas.microsoft.com/office/powerpoint/2012/main" xmlns="">
       <p:transition spd="slow" advClick="0">
         <p:blinds dir="vert"/>
       </p:transition>
@@ -31113,7 +30969,7 @@
         <p:blinds dir="vert"/>
       </p:transition>
     </mc:Choice>
-    <mc:Fallback xmlns="" xmlns:p15="http://schemas.microsoft.com/office/powerpoint/2012/main">
+    <mc:Fallback xmlns:p15="http://schemas.microsoft.com/office/powerpoint/2012/main" xmlns="">
       <p:transition spd="slow" advClick="0">
         <p:blinds dir="vert"/>
       </p:transition>
@@ -33079,7 +32935,7 @@
         <p:blinds dir="vert"/>
       </p:transition>
     </mc:Choice>
-    <mc:Fallback xmlns="" xmlns:p15="http://schemas.microsoft.com/office/powerpoint/2012/main">
+    <mc:Fallback xmlns:p15="http://schemas.microsoft.com/office/powerpoint/2012/main" xmlns="">
       <p:transition spd="slow" advClick="0">
         <p:blinds dir="vert"/>
       </p:transition>
@@ -33755,7 +33611,7 @@
         <p:blinds dir="vert"/>
       </p:transition>
     </mc:Choice>
-    <mc:Fallback xmlns="" xmlns:p15="http://schemas.microsoft.com/office/powerpoint/2012/main">
+    <mc:Fallback xmlns:p15="http://schemas.microsoft.com/office/powerpoint/2012/main" xmlns="">
       <p:transition spd="slow" advClick="0">
         <p:blinds dir="vert"/>
       </p:transition>
@@ -35305,7 +35161,7 @@
         <p:blinds dir="vert"/>
       </p:transition>
     </mc:Choice>
-    <mc:Fallback xmlns="" xmlns:p15="http://schemas.microsoft.com/office/powerpoint/2012/main">
+    <mc:Fallback xmlns:p15="http://schemas.microsoft.com/office/powerpoint/2012/main" xmlns="">
       <p:transition spd="slow" advClick="0">
         <p:blinds dir="vert"/>
       </p:transition>
@@ -35994,7 +35850,7 @@
         <p:blinds dir="vert"/>
       </p:transition>
     </mc:Choice>
-    <mc:Fallback xmlns="" xmlns:p15="http://schemas.microsoft.com/office/powerpoint/2012/main">
+    <mc:Fallback xmlns:p15="http://schemas.microsoft.com/office/powerpoint/2012/main" xmlns="">
       <p:transition spd="slow" advClick="0">
         <p:blinds dir="vert"/>
       </p:transition>
@@ -40080,7 +39936,7 @@
         <p:blinds dir="vert"/>
       </p:transition>
     </mc:Choice>
-    <mc:Fallback xmlns="" xmlns:p15="http://schemas.microsoft.com/office/powerpoint/2012/main">
+    <mc:Fallback xmlns:p15="http://schemas.microsoft.com/office/powerpoint/2012/main" xmlns="">
       <p:transition spd="slow" advClick="0">
         <p:blinds dir="vert"/>
       </p:transition>
@@ -47672,7 +47528,7 @@
         <p:blinds dir="vert"/>
       </p:transition>
     </mc:Choice>
-    <mc:Fallback xmlns="" xmlns:p15="http://schemas.microsoft.com/office/powerpoint/2012/main">
+    <mc:Fallback xmlns:p15="http://schemas.microsoft.com/office/powerpoint/2012/main" xmlns="">
       <p:transition spd="slow" advClick="0">
         <p:blinds dir="vert"/>
       </p:transition>
@@ -47963,7 +47819,7 @@
     <mc:Choice Requires="p14">
       <p:transition spd="slow" p14:dur="2000" advClick="0"/>
     </mc:Choice>
-    <mc:Fallback xmlns="" xmlns:p15="http://schemas.microsoft.com/office/powerpoint/2012/main">
+    <mc:Fallback xmlns:p15="http://schemas.microsoft.com/office/powerpoint/2012/main" xmlns="">
       <p:transition spd="slow" advClick="0"/>
     </mc:Fallback>
   </mc:AlternateContent>
@@ -48921,7 +48777,7 @@
         <p:blinds dir="vert"/>
       </p:transition>
     </mc:Choice>
-    <mc:Fallback xmlns="" xmlns:p15="http://schemas.microsoft.com/office/powerpoint/2012/main">
+    <mc:Fallback xmlns:p15="http://schemas.microsoft.com/office/powerpoint/2012/main" xmlns="">
       <p:transition spd="slow" advClick="0">
         <p:blinds dir="vert"/>
       </p:transition>
@@ -49515,7 +49371,7 @@
         <p:blinds dir="vert"/>
       </p:transition>
     </mc:Choice>
-    <mc:Fallback xmlns="" xmlns:p15="http://schemas.microsoft.com/office/powerpoint/2012/main">
+    <mc:Fallback xmlns:p15="http://schemas.microsoft.com/office/powerpoint/2012/main" xmlns="">
       <p:transition spd="slow" advClick="0">
         <p:blinds dir="vert"/>
       </p:transition>
@@ -50047,7 +49903,7 @@
         <p:blinds dir="vert"/>
       </p:transition>
     </mc:Choice>
-    <mc:Fallback xmlns="" xmlns:p15="http://schemas.microsoft.com/office/powerpoint/2012/main">
+    <mc:Fallback xmlns:p15="http://schemas.microsoft.com/office/powerpoint/2012/main" xmlns="">
       <p:transition spd="slow" advClick="0">
         <p:blinds dir="vert"/>
       </p:transition>
@@ -50834,7 +50690,7 @@
         <p:blinds dir="vert"/>
       </p:transition>
     </mc:Choice>
-    <mc:Fallback xmlns="" xmlns:p15="http://schemas.microsoft.com/office/powerpoint/2012/main">
+    <mc:Fallback xmlns:p15="http://schemas.microsoft.com/office/powerpoint/2012/main" xmlns="">
       <p:transition spd="slow" advClick="0">
         <p:blinds dir="vert"/>
       </p:transition>
